--- a/Programmation structurée/S4 - Programmation structuré/Anouar Oumansour/Presentation/Structure langage c.pptx
+++ b/Programmation structurée/S4 - Programmation structuré/Anouar Oumansour/Presentation/Structure langage c.pptx
@@ -297,6 +297,7 @@
           <a:p>
             <a:fld id="{59977232-D986-4853-BFA9-DF36A2A0B93F}" type="datetimeFigureOut">
               <a:rPr lang="fr-FR" smtClean="0"/>
+              <a:pPr/>
               <a:t>07/11/2019</a:t>
             </a:fld>
             <a:endParaRPr lang="fr-FR"/>
@@ -426,6 +427,7 @@
           <a:p>
             <a:fld id="{8B17F91E-2D55-48A4-996A-A4AEBB89E374}" type="slidenum">
               <a:rPr lang="fr-FR" smtClean="0"/>
+              <a:pPr/>
               <a:t>‹N°›</a:t>
             </a:fld>
             <a:endParaRPr lang="fr-FR"/>
@@ -435,7 +437,7 @@
     </p:spTree>
     <p:extLst>
       <p:ext uri="{BB962C8B-B14F-4D97-AF65-F5344CB8AC3E}">
-        <p14:creationId xmlns:p14="http://schemas.microsoft.com/office/powerpoint/2010/main" val="1293717142"/>
+        <p14:creationId xmlns:p14="http://schemas.microsoft.com/office/powerpoint/2010/main" xmlns="" val="1293717142"/>
       </p:ext>
     </p:extLst>
   </p:cSld>
@@ -635,6 +637,7 @@
           <a:p>
             <a:fld id="{59977232-D986-4853-BFA9-DF36A2A0B93F}" type="datetimeFigureOut">
               <a:rPr lang="fr-FR" smtClean="0"/>
+              <a:pPr/>
               <a:t>07/11/2019</a:t>
             </a:fld>
             <a:endParaRPr lang="fr-FR"/>
@@ -764,6 +767,7 @@
           <a:p>
             <a:fld id="{8B17F91E-2D55-48A4-996A-A4AEBB89E374}" type="slidenum">
               <a:rPr lang="fr-FR" smtClean="0"/>
+              <a:pPr/>
               <a:t>‹N°›</a:t>
             </a:fld>
             <a:endParaRPr lang="fr-FR"/>
@@ -773,7 +777,7 @@
     </p:spTree>
     <p:extLst>
       <p:ext uri="{BB962C8B-B14F-4D97-AF65-F5344CB8AC3E}">
-        <p14:creationId xmlns:p14="http://schemas.microsoft.com/office/powerpoint/2010/main" val="3017519882"/>
+        <p14:creationId xmlns:p14="http://schemas.microsoft.com/office/powerpoint/2010/main" xmlns="" val="3017519882"/>
       </p:ext>
     </p:extLst>
   </p:cSld>
@@ -1036,6 +1040,7 @@
           <a:p>
             <a:fld id="{59977232-D986-4853-BFA9-DF36A2A0B93F}" type="datetimeFigureOut">
               <a:rPr lang="fr-FR" smtClean="0"/>
+              <a:pPr/>
               <a:t>07/11/2019</a:t>
             </a:fld>
             <a:endParaRPr lang="fr-FR"/>
@@ -1165,6 +1170,7 @@
           <a:p>
             <a:fld id="{8B17F91E-2D55-48A4-996A-A4AEBB89E374}" type="slidenum">
               <a:rPr lang="fr-FR" smtClean="0"/>
+              <a:pPr/>
               <a:t>‹N°›</a:t>
             </a:fld>
             <a:endParaRPr lang="fr-FR"/>
@@ -1250,7 +1256,7 @@
     </p:spTree>
     <p:extLst>
       <p:ext uri="{BB962C8B-B14F-4D97-AF65-F5344CB8AC3E}">
-        <p14:creationId xmlns:p14="http://schemas.microsoft.com/office/powerpoint/2010/main" val="3250978639"/>
+        <p14:creationId xmlns:p14="http://schemas.microsoft.com/office/powerpoint/2010/main" xmlns="" val="3250978639"/>
       </p:ext>
     </p:extLst>
   </p:cSld>
@@ -1372,6 +1378,7 @@
           <a:p>
             <a:fld id="{59977232-D986-4853-BFA9-DF36A2A0B93F}" type="datetimeFigureOut">
               <a:rPr lang="fr-FR" smtClean="0"/>
+              <a:pPr/>
               <a:t>07/11/2019</a:t>
             </a:fld>
             <a:endParaRPr lang="fr-FR"/>
@@ -1501,6 +1508,7 @@
           <a:p>
             <a:fld id="{8B17F91E-2D55-48A4-996A-A4AEBB89E374}" type="slidenum">
               <a:rPr lang="fr-FR" smtClean="0"/>
+              <a:pPr/>
               <a:t>‹N°›</a:t>
             </a:fld>
             <a:endParaRPr lang="fr-FR"/>
@@ -1510,7 +1518,7 @@
     </p:spTree>
     <p:extLst>
       <p:ext uri="{BB962C8B-B14F-4D97-AF65-F5344CB8AC3E}">
-        <p14:creationId xmlns:p14="http://schemas.microsoft.com/office/powerpoint/2010/main" val="1123398504"/>
+        <p14:creationId xmlns:p14="http://schemas.microsoft.com/office/powerpoint/2010/main" xmlns="" val="1123398504"/>
       </p:ext>
     </p:extLst>
   </p:cSld>
@@ -1692,6 +1700,7 @@
           <a:p>
             <a:fld id="{59977232-D986-4853-BFA9-DF36A2A0B93F}" type="datetimeFigureOut">
               <a:rPr lang="fr-FR" smtClean="0"/>
+              <a:pPr/>
               <a:t>07/11/2019</a:t>
             </a:fld>
             <a:endParaRPr lang="fr-FR"/>
@@ -1821,6 +1830,7 @@
           <a:p>
             <a:fld id="{8B17F91E-2D55-48A4-996A-A4AEBB89E374}" type="slidenum">
               <a:rPr lang="fr-FR" smtClean="0"/>
+              <a:pPr/>
               <a:t>‹N°›</a:t>
             </a:fld>
             <a:endParaRPr lang="fr-FR"/>
@@ -1906,7 +1916,7 @@
     </p:spTree>
     <p:extLst>
       <p:ext uri="{BB962C8B-B14F-4D97-AF65-F5344CB8AC3E}">
-        <p14:creationId xmlns:p14="http://schemas.microsoft.com/office/powerpoint/2010/main" val="1595635854"/>
+        <p14:creationId xmlns:p14="http://schemas.microsoft.com/office/powerpoint/2010/main" xmlns="" val="1595635854"/>
       </p:ext>
     </p:extLst>
   </p:cSld>
@@ -2088,6 +2098,7 @@
           <a:p>
             <a:fld id="{59977232-D986-4853-BFA9-DF36A2A0B93F}" type="datetimeFigureOut">
               <a:rPr lang="fr-FR" smtClean="0"/>
+              <a:pPr/>
               <a:t>07/11/2019</a:t>
             </a:fld>
             <a:endParaRPr lang="fr-FR"/>
@@ -2217,6 +2228,7 @@
           <a:p>
             <a:fld id="{8B17F91E-2D55-48A4-996A-A4AEBB89E374}" type="slidenum">
               <a:rPr lang="fr-FR" smtClean="0"/>
+              <a:pPr/>
               <a:t>‹N°›</a:t>
             </a:fld>
             <a:endParaRPr lang="fr-FR"/>
@@ -2226,7 +2238,7 @@
     </p:spTree>
     <p:extLst>
       <p:ext uri="{BB962C8B-B14F-4D97-AF65-F5344CB8AC3E}">
-        <p14:creationId xmlns:p14="http://schemas.microsoft.com/office/powerpoint/2010/main" val="1298284464"/>
+        <p14:creationId xmlns:p14="http://schemas.microsoft.com/office/powerpoint/2010/main" xmlns="" val="1298284464"/>
       </p:ext>
     </p:extLst>
   </p:cSld>
@@ -2345,6 +2357,7 @@
           <a:p>
             <a:fld id="{59977232-D986-4853-BFA9-DF36A2A0B93F}" type="datetimeFigureOut">
               <a:rPr lang="fr-FR" smtClean="0"/>
+              <a:pPr/>
               <a:t>07/11/2019</a:t>
             </a:fld>
             <a:endParaRPr lang="fr-FR"/>
@@ -2469,6 +2482,7 @@
           <a:p>
             <a:fld id="{8B17F91E-2D55-48A4-996A-A4AEBB89E374}" type="slidenum">
               <a:rPr lang="fr-FR" smtClean="0"/>
+              <a:pPr/>
               <a:t>‹N°›</a:t>
             </a:fld>
             <a:endParaRPr lang="fr-FR"/>
@@ -2478,7 +2492,7 @@
     </p:spTree>
     <p:extLst>
       <p:ext uri="{BB962C8B-B14F-4D97-AF65-F5344CB8AC3E}">
-        <p14:creationId xmlns:p14="http://schemas.microsoft.com/office/powerpoint/2010/main" val="2098873396"/>
+        <p14:creationId xmlns:p14="http://schemas.microsoft.com/office/powerpoint/2010/main" xmlns="" val="2098873396"/>
       </p:ext>
     </p:extLst>
   </p:cSld>
@@ -2607,6 +2621,7 @@
           <a:p>
             <a:fld id="{59977232-D986-4853-BFA9-DF36A2A0B93F}" type="datetimeFigureOut">
               <a:rPr lang="fr-FR" smtClean="0"/>
+              <a:pPr/>
               <a:t>07/11/2019</a:t>
             </a:fld>
             <a:endParaRPr lang="fr-FR"/>
@@ -2731,6 +2746,7 @@
           <a:p>
             <a:fld id="{8B17F91E-2D55-48A4-996A-A4AEBB89E374}" type="slidenum">
               <a:rPr lang="fr-FR" smtClean="0"/>
+              <a:pPr/>
               <a:t>‹N°›</a:t>
             </a:fld>
             <a:endParaRPr lang="fr-FR"/>
@@ -2740,7 +2756,7 @@
     </p:spTree>
     <p:extLst>
       <p:ext uri="{BB962C8B-B14F-4D97-AF65-F5344CB8AC3E}">
-        <p14:creationId xmlns:p14="http://schemas.microsoft.com/office/powerpoint/2010/main" val="2435839816"/>
+        <p14:creationId xmlns:p14="http://schemas.microsoft.com/office/powerpoint/2010/main" xmlns="" val="2435839816"/>
       </p:ext>
     </p:extLst>
   </p:cSld>
@@ -2869,6 +2885,7 @@
           <a:p>
             <a:fld id="{59977232-D986-4853-BFA9-DF36A2A0B93F}" type="datetimeFigureOut">
               <a:rPr lang="fr-FR" smtClean="0"/>
+              <a:pPr/>
               <a:t>07/11/2019</a:t>
             </a:fld>
             <a:endParaRPr lang="fr-FR"/>
@@ -2993,6 +3010,7 @@
           <a:p>
             <a:fld id="{8B17F91E-2D55-48A4-996A-A4AEBB89E374}" type="slidenum">
               <a:rPr lang="fr-FR" smtClean="0"/>
+              <a:pPr/>
               <a:t>‹N°›</a:t>
             </a:fld>
             <a:endParaRPr lang="fr-FR"/>
@@ -3002,7 +3020,7 @@
     </p:spTree>
     <p:extLst>
       <p:ext uri="{BB962C8B-B14F-4D97-AF65-F5344CB8AC3E}">
-        <p14:creationId xmlns:p14="http://schemas.microsoft.com/office/powerpoint/2010/main" val="63958774"/>
+        <p14:creationId xmlns:p14="http://schemas.microsoft.com/office/powerpoint/2010/main" xmlns="" val="63958774"/>
       </p:ext>
     </p:extLst>
   </p:cSld>
@@ -3198,6 +3216,7 @@
           <a:p>
             <a:fld id="{59977232-D986-4853-BFA9-DF36A2A0B93F}" type="datetimeFigureOut">
               <a:rPr lang="fr-FR" smtClean="0"/>
+              <a:pPr/>
               <a:t>07/11/2019</a:t>
             </a:fld>
             <a:endParaRPr lang="fr-FR"/>
@@ -3327,6 +3346,7 @@
           <a:p>
             <a:fld id="{8B17F91E-2D55-48A4-996A-A4AEBB89E374}" type="slidenum">
               <a:rPr lang="fr-FR" smtClean="0"/>
+              <a:pPr/>
               <a:t>‹N°›</a:t>
             </a:fld>
             <a:endParaRPr lang="fr-FR"/>
@@ -3336,7 +3356,7 @@
     </p:spTree>
     <p:extLst>
       <p:ext uri="{BB962C8B-B14F-4D97-AF65-F5344CB8AC3E}">
-        <p14:creationId xmlns:p14="http://schemas.microsoft.com/office/powerpoint/2010/main" val="1307505423"/>
+        <p14:creationId xmlns:p14="http://schemas.microsoft.com/office/powerpoint/2010/main" xmlns="" val="1307505423"/>
       </p:ext>
     </p:extLst>
   </p:cSld>
@@ -3521,6 +3541,7 @@
           <a:p>
             <a:fld id="{59977232-D986-4853-BFA9-DF36A2A0B93F}" type="datetimeFigureOut">
               <a:rPr lang="fr-FR" smtClean="0"/>
+              <a:pPr/>
               <a:t>07/11/2019</a:t>
             </a:fld>
             <a:endParaRPr lang="fr-FR"/>
@@ -3650,6 +3671,7 @@
           <a:p>
             <a:fld id="{8B17F91E-2D55-48A4-996A-A4AEBB89E374}" type="slidenum">
               <a:rPr lang="fr-FR" smtClean="0"/>
+              <a:pPr/>
               <a:t>‹N°›</a:t>
             </a:fld>
             <a:endParaRPr lang="fr-FR"/>
@@ -3659,7 +3681,7 @@
     </p:spTree>
     <p:extLst>
       <p:ext uri="{BB962C8B-B14F-4D97-AF65-F5344CB8AC3E}">
-        <p14:creationId xmlns:p14="http://schemas.microsoft.com/office/powerpoint/2010/main" val="3839389978"/>
+        <p14:creationId xmlns:p14="http://schemas.microsoft.com/office/powerpoint/2010/main" xmlns="" val="3839389978"/>
       </p:ext>
     </p:extLst>
   </p:cSld>
@@ -3978,6 +4000,7 @@
           <a:p>
             <a:fld id="{59977232-D986-4853-BFA9-DF36A2A0B93F}" type="datetimeFigureOut">
               <a:rPr lang="fr-FR" smtClean="0"/>
+              <a:pPr/>
               <a:t>07/11/2019</a:t>
             </a:fld>
             <a:endParaRPr lang="fr-FR"/>
@@ -4107,6 +4130,7 @@
           <a:p>
             <a:fld id="{8B17F91E-2D55-48A4-996A-A4AEBB89E374}" type="slidenum">
               <a:rPr lang="fr-FR" smtClean="0"/>
+              <a:pPr/>
               <a:t>‹N°›</a:t>
             </a:fld>
             <a:endParaRPr lang="fr-FR"/>
@@ -4116,7 +4140,7 @@
     </p:spTree>
     <p:extLst>
       <p:ext uri="{BB962C8B-B14F-4D97-AF65-F5344CB8AC3E}">
-        <p14:creationId xmlns:p14="http://schemas.microsoft.com/office/powerpoint/2010/main" val="4240766424"/>
+        <p14:creationId xmlns:p14="http://schemas.microsoft.com/office/powerpoint/2010/main" xmlns="" val="4240766424"/>
       </p:ext>
     </p:extLst>
   </p:cSld>
@@ -4183,6 +4207,7 @@
           <a:p>
             <a:fld id="{59977232-D986-4853-BFA9-DF36A2A0B93F}" type="datetimeFigureOut">
               <a:rPr lang="fr-FR" smtClean="0"/>
+              <a:pPr/>
               <a:t>07/11/2019</a:t>
             </a:fld>
             <a:endParaRPr lang="fr-FR"/>
@@ -4307,6 +4332,7 @@
           <a:p>
             <a:fld id="{8B17F91E-2D55-48A4-996A-A4AEBB89E374}" type="slidenum">
               <a:rPr lang="fr-FR" smtClean="0"/>
+              <a:pPr/>
               <a:t>‹N°›</a:t>
             </a:fld>
             <a:endParaRPr lang="fr-FR"/>
@@ -4316,7 +4342,7 @@
     </p:spTree>
     <p:extLst>
       <p:ext uri="{BB962C8B-B14F-4D97-AF65-F5344CB8AC3E}">
-        <p14:creationId xmlns:p14="http://schemas.microsoft.com/office/powerpoint/2010/main" val="604497165"/>
+        <p14:creationId xmlns:p14="http://schemas.microsoft.com/office/powerpoint/2010/main" xmlns="" val="604497165"/>
       </p:ext>
     </p:extLst>
   </p:cSld>
@@ -4360,6 +4386,7 @@
           <a:p>
             <a:fld id="{59977232-D986-4853-BFA9-DF36A2A0B93F}" type="datetimeFigureOut">
               <a:rPr lang="fr-FR" smtClean="0"/>
+              <a:pPr/>
               <a:t>07/11/2019</a:t>
             </a:fld>
             <a:endParaRPr lang="fr-FR"/>
@@ -4484,6 +4511,7 @@
           <a:p>
             <a:fld id="{8B17F91E-2D55-48A4-996A-A4AEBB89E374}" type="slidenum">
               <a:rPr lang="fr-FR" smtClean="0"/>
+              <a:pPr/>
               <a:t>‹N°›</a:t>
             </a:fld>
             <a:endParaRPr lang="fr-FR"/>
@@ -4493,7 +4521,7 @@
     </p:spTree>
     <p:extLst>
       <p:ext uri="{BB962C8B-B14F-4D97-AF65-F5344CB8AC3E}">
-        <p14:creationId xmlns:p14="http://schemas.microsoft.com/office/powerpoint/2010/main" val="260022897"/>
+        <p14:creationId xmlns:p14="http://schemas.microsoft.com/office/powerpoint/2010/main" xmlns="" val="260022897"/>
       </p:ext>
     </p:extLst>
   </p:cSld>
@@ -4693,6 +4721,7 @@
           <a:p>
             <a:fld id="{59977232-D986-4853-BFA9-DF36A2A0B93F}" type="datetimeFigureOut">
               <a:rPr lang="fr-FR" smtClean="0"/>
+              <a:pPr/>
               <a:t>07/11/2019</a:t>
             </a:fld>
             <a:endParaRPr lang="fr-FR"/>
@@ -4817,6 +4846,7 @@
           <a:p>
             <a:fld id="{8B17F91E-2D55-48A4-996A-A4AEBB89E374}" type="slidenum">
               <a:rPr lang="fr-FR" smtClean="0"/>
+              <a:pPr/>
               <a:t>‹N°›</a:t>
             </a:fld>
             <a:endParaRPr lang="fr-FR"/>
@@ -4826,7 +4856,7 @@
     </p:spTree>
     <p:extLst>
       <p:ext uri="{BB962C8B-B14F-4D97-AF65-F5344CB8AC3E}">
-        <p14:creationId xmlns:p14="http://schemas.microsoft.com/office/powerpoint/2010/main" val="1508857939"/>
+        <p14:creationId xmlns:p14="http://schemas.microsoft.com/office/powerpoint/2010/main" xmlns="" val="1508857939"/>
       </p:ext>
     </p:extLst>
   </p:cSld>
@@ -5038,6 +5068,7 @@
           <a:p>
             <a:fld id="{59977232-D986-4853-BFA9-DF36A2A0B93F}" type="datetimeFigureOut">
               <a:rPr lang="fr-FR" smtClean="0"/>
+              <a:pPr/>
               <a:t>07/11/2019</a:t>
             </a:fld>
             <a:endParaRPr lang="fr-FR"/>
@@ -5167,6 +5198,7 @@
           <a:p>
             <a:fld id="{8B17F91E-2D55-48A4-996A-A4AEBB89E374}" type="slidenum">
               <a:rPr lang="fr-FR" smtClean="0"/>
+              <a:pPr/>
               <a:t>‹N°›</a:t>
             </a:fld>
             <a:endParaRPr lang="fr-FR"/>
@@ -5176,7 +5208,7 @@
     </p:spTree>
     <p:extLst>
       <p:ext uri="{BB962C8B-B14F-4D97-AF65-F5344CB8AC3E}">
-        <p14:creationId xmlns:p14="http://schemas.microsoft.com/office/powerpoint/2010/main" val="1039767826"/>
+        <p14:creationId xmlns:p14="http://schemas.microsoft.com/office/powerpoint/2010/main" xmlns="" val="1039767826"/>
       </p:ext>
     </p:extLst>
   </p:cSld>
@@ -7155,6 +7187,7 @@
           <a:p>
             <a:fld id="{59977232-D986-4853-BFA9-DF36A2A0B93F}" type="datetimeFigureOut">
               <a:rPr lang="fr-FR" smtClean="0"/>
+              <a:pPr/>
               <a:t>07/11/2019</a:t>
             </a:fld>
             <a:endParaRPr lang="fr-FR"/>
@@ -7231,6 +7264,7 @@
           <a:p>
             <a:fld id="{8B17F91E-2D55-48A4-996A-A4AEBB89E374}" type="slidenum">
               <a:rPr lang="fr-FR" smtClean="0"/>
+              <a:pPr/>
               <a:t>‹N°›</a:t>
             </a:fld>
             <a:endParaRPr lang="fr-FR"/>
@@ -7240,7 +7274,7 @@
     </p:spTree>
     <p:extLst>
       <p:ext uri="{BB962C8B-B14F-4D97-AF65-F5344CB8AC3E}">
-        <p14:creationId xmlns:p14="http://schemas.microsoft.com/office/powerpoint/2010/main" val="1194093722"/>
+        <p14:creationId xmlns:p14="http://schemas.microsoft.com/office/powerpoint/2010/main" xmlns="" val="1194093722"/>
       </p:ext>
     </p:extLst>
   </p:cSld>
@@ -7678,7 +7712,7 @@
           <p:cNvPr id="2" name="Titre 1">
             <a:extLst>
               <a:ext uri="{FF2B5EF4-FFF2-40B4-BE49-F238E27FC236}">
-                <a16:creationId xmlns:a16="http://schemas.microsoft.com/office/drawing/2014/main" id="{C8B2C0A8-E2D9-42FA-BFE5-907F5F9ACF6C}"/>
+                <a16:creationId xmlns:a16="http://schemas.microsoft.com/office/drawing/2014/main" xmlns="" id="{C8B2C0A8-E2D9-42FA-BFE5-907F5F9ACF6C}"/>
               </a:ext>
             </a:extLst>
           </p:cNvPr>
@@ -7714,7 +7748,7 @@
           <p:cNvPr id="3" name="Sous-titre 2">
             <a:extLst>
               <a:ext uri="{FF2B5EF4-FFF2-40B4-BE49-F238E27FC236}">
-                <a16:creationId xmlns:a16="http://schemas.microsoft.com/office/drawing/2014/main" id="{5374F37A-5C01-4ED9-A945-CE21310E2B5E}"/>
+                <a16:creationId xmlns:a16="http://schemas.microsoft.com/office/drawing/2014/main" xmlns="" id="{5374F37A-5C01-4ED9-A945-CE21310E2B5E}"/>
               </a:ext>
             </a:extLst>
           </p:cNvPr>
@@ -7747,7 +7781,7 @@
     </p:spTree>
     <p:extLst>
       <p:ext uri="{BB962C8B-B14F-4D97-AF65-F5344CB8AC3E}">
-        <p14:creationId xmlns:p14="http://schemas.microsoft.com/office/powerpoint/2010/main" val="1493551053"/>
+        <p14:creationId xmlns:p14="http://schemas.microsoft.com/office/powerpoint/2010/main" xmlns="" val="1493551053"/>
       </p:ext>
     </p:extLst>
   </p:cSld>
@@ -7779,7 +7813,7 @@
           <p:cNvPr id="2" name="Titre 1">
             <a:extLst>
               <a:ext uri="{FF2B5EF4-FFF2-40B4-BE49-F238E27FC236}">
-                <a16:creationId xmlns:a16="http://schemas.microsoft.com/office/drawing/2014/main" id="{E1AC094F-FCFD-4FCF-8319-845848FE5176}"/>
+                <a16:creationId xmlns:a16="http://schemas.microsoft.com/office/drawing/2014/main" xmlns="" id="{E1AC094F-FCFD-4FCF-8319-845848FE5176}"/>
               </a:ext>
             </a:extLst>
           </p:cNvPr>
@@ -7811,7 +7845,7 @@
           <p:cNvPr id="3" name="Espace réservé du contenu 2">
             <a:extLst>
               <a:ext uri="{FF2B5EF4-FFF2-40B4-BE49-F238E27FC236}">
-                <a16:creationId xmlns:a16="http://schemas.microsoft.com/office/drawing/2014/main" id="{3699B7A1-171D-4345-80D8-6F96FB88471A}"/>
+                <a16:creationId xmlns:a16="http://schemas.microsoft.com/office/drawing/2014/main" xmlns="" id="{3699B7A1-171D-4345-80D8-6F96FB88471A}"/>
               </a:ext>
             </a:extLst>
           </p:cNvPr>
@@ -7830,6 +7864,10 @@
             <a:pPr marL="0" indent="0">
               <a:buNone/>
             </a:pPr>
+            <a:r>
+              <a:rPr lang="fr-FR" sz="2400" dirty="0"/>
+              <a:t/>
+            </a:r>
             <a:br>
               <a:rPr lang="fr-FR" sz="2400" dirty="0"/>
             </a:br>
@@ -7847,6 +7885,10 @@
             <a:br>
               <a:rPr lang="fr-FR" sz="2400" dirty="0"/>
             </a:br>
+            <a:r>
+              <a:rPr lang="fr-FR" sz="2400" dirty="0"/>
+              <a:t/>
+            </a:r>
             <a:br>
               <a:rPr lang="fr-FR" sz="2400" dirty="0"/>
             </a:br>
@@ -7871,7 +7913,7 @@
     </p:spTree>
     <p:extLst>
       <p:ext uri="{BB962C8B-B14F-4D97-AF65-F5344CB8AC3E}">
-        <p14:creationId xmlns:p14="http://schemas.microsoft.com/office/powerpoint/2010/main" val="5058371"/>
+        <p14:creationId xmlns:p14="http://schemas.microsoft.com/office/powerpoint/2010/main" xmlns="" val="5058371"/>
       </p:ext>
     </p:extLst>
   </p:cSld>
@@ -7903,7 +7945,7 @@
           <p:cNvPr id="2" name="Titre 1">
             <a:extLst>
               <a:ext uri="{FF2B5EF4-FFF2-40B4-BE49-F238E27FC236}">
-                <a16:creationId xmlns:a16="http://schemas.microsoft.com/office/drawing/2014/main" id="{DADAF33B-35F9-4B04-90B6-D969DEDEA307}"/>
+                <a16:creationId xmlns:a16="http://schemas.microsoft.com/office/drawing/2014/main" xmlns="" id="{DADAF33B-35F9-4B04-90B6-D969DEDEA307}"/>
               </a:ext>
             </a:extLst>
           </p:cNvPr>
@@ -7914,7 +7956,12 @@
             <p:ph type="title"/>
           </p:nvPr>
         </p:nvSpPr>
-        <p:spPr/>
+        <p:spPr>
+          <a:xfrm>
+            <a:off x="2494451" y="0"/>
+            <a:ext cx="8911687" cy="1280890"/>
+          </a:xfrm>
+        </p:spPr>
         <p:txBody>
           <a:bodyPr/>
           <a:lstStyle/>
@@ -7936,7 +7983,7 @@
           <p:cNvPr id="4" name="Rectangle 1">
             <a:extLst>
               <a:ext uri="{FF2B5EF4-FFF2-40B4-BE49-F238E27FC236}">
-                <a16:creationId xmlns:a16="http://schemas.microsoft.com/office/drawing/2014/main" id="{669D35FF-83D7-4508-89A0-A512D484AC41}"/>
+                <a16:creationId xmlns:a16="http://schemas.microsoft.com/office/drawing/2014/main" xmlns="" id="{669D35FF-83D7-4508-89A0-A512D484AC41}"/>
               </a:ext>
             </a:extLst>
           </p:cNvPr>
@@ -7949,8 +7996,8 @@
         </p:nvSpPr>
         <p:spPr bwMode="auto">
           <a:xfrm>
-            <a:off x="2592925" y="1658781"/>
-            <a:ext cx="7718460" cy="1286815"/>
+            <a:off x="2729132" y="1069146"/>
+            <a:ext cx="6503517" cy="5411021"/>
           </a:xfrm>
           <a:prstGeom prst="rect">
             <a:avLst/>
@@ -7964,7 +8011,7 @@
           <a:effectLst/>
           <a:extLst>
             <a:ext uri="{91240B29-F687-4F45-9708-019B960494DF}">
-              <a14:hiddenLine xmlns:a14="http://schemas.microsoft.com/office/drawing/2010/main" w="9525">
+              <a14:hiddenLine xmlns:a14="http://schemas.microsoft.com/office/drawing/2010/main" xmlns="" w="9525">
                 <a:solidFill>
                   <a:schemeClr val="tx1"/>
                 </a:solidFill>
@@ -7974,7 +8021,7 @@
               </a14:hiddenLine>
             </a:ext>
             <a:ext uri="{AF507438-7753-43E0-B8FC-AC1667EBCBE1}">
-              <a14:hiddenEffects xmlns:a14="http://schemas.microsoft.com/office/drawing/2010/main">
+              <a14:hiddenEffects xmlns:a14="http://schemas.microsoft.com/office/drawing/2010/main" xmlns="">
                 <a:effectLst>
                   <a:outerShdw dist="35921" dir="2700000" algn="ctr" rotWithShape="0">
                     <a:schemeClr val="bg2"/>
@@ -7985,7 +8032,7 @@
           </a:extLst>
         </p:spPr>
         <p:txBody>
-          <a:bodyPr vert="horz" wrap="none" lIns="0" tIns="119025" rIns="0" bIns="119025" numCol="1" anchor="ctr" anchorCtr="0" compatLnSpc="1">
+          <a:bodyPr vert="horz" wrap="square" lIns="0" tIns="119025" rIns="0" bIns="119025" numCol="1" anchor="ctr" anchorCtr="0" compatLnSpc="1">
             <a:prstTxWarp prst="textNoShape">
               <a:avLst/>
             </a:prstTxWarp>
@@ -7993,10 +8040,7 @@
           </a:bodyPr>
           <a:lstStyle/>
           <a:p>
-            <a:pPr marL="0" marR="0" lvl="0" indent="0" algn="l" defTabSz="914400" rtl="0" eaLnBrk="0" fontAlgn="base" latinLnBrk="0" hangingPunct="0">
-              <a:lnSpc>
-                <a:spcPct val="100000"/>
-              </a:lnSpc>
+            <a:pPr marL="0" lvl="0" indent="0" defTabSz="914400" eaLnBrk="0" fontAlgn="base" hangingPunct="0">
               <a:spcBef>
                 <a:spcPct val="0"/>
               </a:spcBef>
@@ -8004,69 +8048,20 @@
                 <a:spcPct val="0"/>
               </a:spcAft>
               <a:buClrTx/>
-              <a:buSzTx/>
-              <a:buFontTx/>
-              <a:buNone/>
-              <a:tabLst/>
+              <a:buNone/>
             </a:pPr>
             <a:r>
-              <a:rPr kumimoji="0" lang="fr-FR" altLang="fr-FR" sz="2000" b="1" i="0" u="none" strike="noStrike" cap="none" normalizeH="0" baseline="0" dirty="0" err="1">
-                <a:ln>
-                  <a:noFill/>
-                </a:ln>
+              <a:rPr lang="fr-FR" altLang="fr-FR" sz="1200" b="1" dirty="0" smtClean="0">
                 <a:solidFill>
                   <a:srgbClr val="303030"/>
                 </a:solidFill>
-                <a:effectLst/>
                 <a:latin typeface="Consolas" panose="020B0609020204030204" pitchFamily="49" charset="0"/>
               </a:rPr>
-              <a:t>struct</a:t>
-            </a:r>
-            <a:r>
-              <a:rPr kumimoji="0" lang="fr-FR" altLang="fr-FR" sz="2000" b="1" i="0" u="none" strike="noStrike" cap="none" normalizeH="0" baseline="0" dirty="0">
-                <a:ln>
-                  <a:noFill/>
-                </a:ln>
-                <a:solidFill>
-                  <a:srgbClr val="303030"/>
-                </a:solidFill>
-                <a:effectLst/>
-                <a:latin typeface="Consolas" panose="020B0609020204030204" pitchFamily="49" charset="0"/>
-              </a:rPr>
-              <a:t> </a:t>
-            </a:r>
-            <a:r>
-              <a:rPr kumimoji="0" lang="fr-FR" altLang="fr-FR" sz="2000" b="1" i="0" u="none" strike="noStrike" cap="none" normalizeH="0" baseline="0" dirty="0" err="1">
-                <a:ln>
-                  <a:noFill/>
-                </a:ln>
-                <a:solidFill>
-                  <a:srgbClr val="303030"/>
-                </a:solidFill>
-                <a:effectLst/>
-                <a:latin typeface="Consolas" panose="020B0609020204030204" pitchFamily="49" charset="0"/>
-              </a:rPr>
-              <a:t>Nom_Structure</a:t>
-            </a:r>
-            <a:r>
-              <a:rPr kumimoji="0" lang="fr-FR" altLang="fr-FR" sz="2000" b="1" i="0" u="none" strike="noStrike" cap="none" normalizeH="0" baseline="0" dirty="0">
-                <a:ln>
-                  <a:noFill/>
-                </a:ln>
-                <a:solidFill>
-                  <a:srgbClr val="303030"/>
-                </a:solidFill>
-                <a:effectLst/>
-                <a:latin typeface="Consolas" panose="020B0609020204030204" pitchFamily="49" charset="0"/>
-              </a:rPr>
-              <a:t> { type_champ1 Nom_Champ1;</a:t>
-            </a:r>
-          </a:p>
-          <a:p>
-            <a:pPr marL="0" marR="0" lvl="0" indent="0" algn="l" defTabSz="914400" rtl="0" eaLnBrk="0" fontAlgn="base" latinLnBrk="0" hangingPunct="0">
-              <a:lnSpc>
-                <a:spcPct val="100000"/>
-              </a:lnSpc>
+              <a:t>typedef struct{</a:t>
+            </a:r>
+          </a:p>
+          <a:p>
+            <a:pPr marL="0" lvl="0" indent="0" defTabSz="914400" eaLnBrk="0" fontAlgn="base" hangingPunct="0">
               <a:spcBef>
                 <a:spcPct val="0"/>
               </a:spcBef>
@@ -8074,30 +8069,20 @@
                 <a:spcPct val="0"/>
               </a:spcAft>
               <a:buClrTx/>
-              <a:buSzTx/>
-              <a:buFontTx/>
-              <a:buNone/>
-              <a:tabLst/>
+              <a:buNone/>
             </a:pPr>
             <a:r>
-              <a:rPr kumimoji="0" lang="fr-FR" altLang="fr-FR" sz="2000" b="1" i="0" u="none" strike="noStrike" cap="none" normalizeH="0" baseline="0" dirty="0">
-                <a:ln>
-                  <a:noFill/>
-                </a:ln>
+              <a:rPr lang="fr-FR" altLang="fr-FR" sz="1200" b="1" dirty="0" smtClean="0">
                 <a:solidFill>
                   <a:srgbClr val="303030"/>
                 </a:solidFill>
-                <a:effectLst/>
                 <a:latin typeface="Consolas" panose="020B0609020204030204" pitchFamily="49" charset="0"/>
               </a:rPr>
-              <a:t>type_champ2 Nom_Champ2; type_champ3 Nom_Champ3; </a:t>
-            </a:r>
-          </a:p>
-          <a:p>
-            <a:pPr marL="0" marR="0" lvl="0" indent="0" algn="l" defTabSz="914400" rtl="0" eaLnBrk="0" fontAlgn="base" latinLnBrk="0" hangingPunct="0">
-              <a:lnSpc>
-                <a:spcPct val="100000"/>
-              </a:lnSpc>
+              <a:t> char nom[20];</a:t>
+            </a:r>
+          </a:p>
+          <a:p>
+            <a:pPr marL="0" lvl="0" indent="0" defTabSz="914400" eaLnBrk="0" fontAlgn="base" hangingPunct="0">
               <a:spcBef>
                 <a:spcPct val="0"/>
               </a:spcBef>
@@ -8105,37 +8090,537 @@
                 <a:spcPct val="0"/>
               </a:spcAft>
               <a:buClrTx/>
-              <a:buSzTx/>
-              <a:buFontTx/>
-              <a:buNone/>
-              <a:tabLst/>
+              <a:buNone/>
             </a:pPr>
             <a:r>
-              <a:rPr kumimoji="0" lang="fr-FR" altLang="fr-FR" sz="2000" b="1" i="0" u="none" strike="noStrike" cap="none" normalizeH="0" baseline="0" dirty="0">
-                <a:ln>
-                  <a:noFill/>
-                </a:ln>
+              <a:rPr lang="fr-FR" altLang="fr-FR" sz="1200" b="1" dirty="0" smtClean="0">
                 <a:solidFill>
                   <a:srgbClr val="303030"/>
                 </a:solidFill>
-                <a:effectLst/>
                 <a:latin typeface="Consolas" panose="020B0609020204030204" pitchFamily="49" charset="0"/>
               </a:rPr>
-              <a:t>type_champ4 Nom_Champ4; type_champ5 Nom_Champ5; ... };</a:t>
-            </a:r>
-            <a:r>
-              <a:rPr kumimoji="0" lang="fr-FR" altLang="fr-FR" sz="2800" b="1" i="0" u="none" strike="noStrike" cap="none" normalizeH="0" baseline="0" dirty="0">
-                <a:ln>
-                  <a:noFill/>
-                </a:ln>
+              <a:t> int age;</a:t>
+            </a:r>
+          </a:p>
+          <a:p>
+            <a:pPr marL="0" lvl="0" indent="0" defTabSz="914400" eaLnBrk="0" fontAlgn="base" hangingPunct="0">
+              <a:spcBef>
+                <a:spcPct val="0"/>
+              </a:spcBef>
+              <a:spcAft>
+                <a:spcPct val="0"/>
+              </a:spcAft>
+              <a:buClrTx/>
+              <a:buNone/>
+            </a:pPr>
+            <a:r>
+              <a:rPr lang="fr-FR" altLang="fr-FR" sz="1200" b="1" dirty="0" smtClean="0">
                 <a:solidFill>
-                  <a:schemeClr val="tx1"/>
+                  <a:srgbClr val="303030"/>
                 </a:solidFill>
-                <a:effectLst/>
+                <a:latin typeface="Consolas" panose="020B0609020204030204" pitchFamily="49" charset="0"/>
               </a:rPr>
-              <a:t> </a:t>
-            </a:r>
-            <a:endParaRPr kumimoji="0" lang="fr-FR" altLang="fr-FR" sz="4400" b="1" i="0" u="none" strike="noStrike" cap="none" normalizeH="0" baseline="0" dirty="0">
+              <a:t> int tele;</a:t>
+            </a:r>
+          </a:p>
+          <a:p>
+            <a:pPr marL="0" lvl="0" indent="0" defTabSz="914400" eaLnBrk="0" fontAlgn="base" hangingPunct="0">
+              <a:spcBef>
+                <a:spcPct val="0"/>
+              </a:spcBef>
+              <a:spcAft>
+                <a:spcPct val="0"/>
+              </a:spcAft>
+              <a:buClrTx/>
+              <a:buNone/>
+            </a:pPr>
+            <a:endParaRPr lang="fr-FR" altLang="fr-FR" sz="1200" b="1" dirty="0" smtClean="0">
+              <a:solidFill>
+                <a:srgbClr val="303030"/>
+              </a:solidFill>
+              <a:latin typeface="Consolas" panose="020B0609020204030204" pitchFamily="49" charset="0"/>
+            </a:endParaRPr>
+          </a:p>
+          <a:p>
+            <a:pPr marL="0" lvl="0" indent="0" defTabSz="914400" eaLnBrk="0" fontAlgn="base" hangingPunct="0">
+              <a:spcBef>
+                <a:spcPct val="0"/>
+              </a:spcBef>
+              <a:spcAft>
+                <a:spcPct val="0"/>
+              </a:spcAft>
+              <a:buClrTx/>
+              <a:buNone/>
+            </a:pPr>
+            <a:r>
+              <a:rPr lang="fr-FR" altLang="fr-FR" sz="1200" b="1" dirty="0" smtClean="0">
+                <a:solidFill>
+                  <a:srgbClr val="303030"/>
+                </a:solidFill>
+                <a:latin typeface="Consolas" panose="020B0609020204030204" pitchFamily="49" charset="0"/>
+              </a:rPr>
+              <a:t>}stagiaire;</a:t>
+            </a:r>
+          </a:p>
+          <a:p>
+            <a:pPr marL="0" lvl="0" indent="0" defTabSz="914400" eaLnBrk="0" fontAlgn="base" hangingPunct="0">
+              <a:spcBef>
+                <a:spcPct val="0"/>
+              </a:spcBef>
+              <a:spcAft>
+                <a:spcPct val="0"/>
+              </a:spcAft>
+              <a:buClrTx/>
+              <a:buNone/>
+            </a:pPr>
+            <a:endParaRPr lang="fr-FR" altLang="fr-FR" sz="1200" b="1" dirty="0" smtClean="0">
+              <a:solidFill>
+                <a:srgbClr val="303030"/>
+              </a:solidFill>
+              <a:latin typeface="Consolas" panose="020B0609020204030204" pitchFamily="49" charset="0"/>
+            </a:endParaRPr>
+          </a:p>
+          <a:p>
+            <a:pPr marL="0" lvl="0" indent="0" defTabSz="914400" eaLnBrk="0" fontAlgn="base" hangingPunct="0">
+              <a:spcBef>
+                <a:spcPct val="0"/>
+              </a:spcBef>
+              <a:spcAft>
+                <a:spcPct val="0"/>
+              </a:spcAft>
+              <a:buClrTx/>
+              <a:buNone/>
+            </a:pPr>
+            <a:r>
+              <a:rPr lang="fr-FR" altLang="fr-FR" sz="1200" b="1" dirty="0" smtClean="0">
+                <a:solidFill>
+                  <a:srgbClr val="303030"/>
+                </a:solidFill>
+                <a:latin typeface="Consolas" panose="020B0609020204030204" pitchFamily="49" charset="0"/>
+              </a:rPr>
+              <a:t>void main() {</a:t>
+            </a:r>
+          </a:p>
+          <a:p>
+            <a:pPr marL="0" lvl="0" indent="0" defTabSz="914400" eaLnBrk="0" fontAlgn="base" hangingPunct="0">
+              <a:spcBef>
+                <a:spcPct val="0"/>
+              </a:spcBef>
+              <a:spcAft>
+                <a:spcPct val="0"/>
+              </a:spcAft>
+              <a:buClrTx/>
+              <a:buNone/>
+            </a:pPr>
+            <a:r>
+              <a:rPr lang="fr-FR" altLang="fr-FR" sz="1200" b="1" dirty="0" smtClean="0">
+                <a:solidFill>
+                  <a:srgbClr val="303030"/>
+                </a:solidFill>
+                <a:latin typeface="Consolas" panose="020B0609020204030204" pitchFamily="49" charset="0"/>
+              </a:rPr>
+              <a:t>	stagiaire s1,s2;</a:t>
+            </a:r>
+          </a:p>
+          <a:p>
+            <a:pPr marL="0" lvl="0" indent="0" defTabSz="914400" eaLnBrk="0" fontAlgn="base" hangingPunct="0">
+              <a:spcBef>
+                <a:spcPct val="0"/>
+              </a:spcBef>
+              <a:spcAft>
+                <a:spcPct val="0"/>
+              </a:spcAft>
+              <a:buClrTx/>
+              <a:buNone/>
+            </a:pPr>
+            <a:r>
+              <a:rPr lang="fr-FR" altLang="fr-FR" sz="1200" b="1" dirty="0" smtClean="0">
+                <a:solidFill>
+                  <a:srgbClr val="303030"/>
+                </a:solidFill>
+                <a:latin typeface="Consolas" panose="020B0609020204030204" pitchFamily="49" charset="0"/>
+              </a:rPr>
+              <a:t>	printf("Donnez le nom du stagiaire:");</a:t>
+            </a:r>
+          </a:p>
+          <a:p>
+            <a:pPr marL="0" lvl="0" indent="0" defTabSz="914400" eaLnBrk="0" fontAlgn="base" hangingPunct="0">
+              <a:spcBef>
+                <a:spcPct val="0"/>
+              </a:spcBef>
+              <a:spcAft>
+                <a:spcPct val="0"/>
+              </a:spcAft>
+              <a:buClrTx/>
+              <a:buNone/>
+            </a:pPr>
+            <a:r>
+              <a:rPr lang="fr-FR" altLang="fr-FR" sz="1200" b="1" dirty="0" smtClean="0">
+                <a:solidFill>
+                  <a:srgbClr val="303030"/>
+                </a:solidFill>
+                <a:latin typeface="Consolas" panose="020B0609020204030204" pitchFamily="49" charset="0"/>
+              </a:rPr>
+              <a:t>	scanf("%s",&amp;s1.nom);</a:t>
+            </a:r>
+          </a:p>
+          <a:p>
+            <a:pPr marL="0" lvl="0" indent="0" defTabSz="914400" eaLnBrk="0" fontAlgn="base" hangingPunct="0">
+              <a:spcBef>
+                <a:spcPct val="0"/>
+              </a:spcBef>
+              <a:spcAft>
+                <a:spcPct val="0"/>
+              </a:spcAft>
+              <a:buClrTx/>
+              <a:buNone/>
+            </a:pPr>
+            <a:r>
+              <a:rPr lang="fr-FR" altLang="fr-FR" sz="1200" b="1" dirty="0" smtClean="0">
+                <a:solidFill>
+                  <a:srgbClr val="303030"/>
+                </a:solidFill>
+                <a:latin typeface="Consolas" panose="020B0609020204030204" pitchFamily="49" charset="0"/>
+              </a:rPr>
+              <a:t>	printf("Donnez l'age du stagiaire:");</a:t>
+            </a:r>
+          </a:p>
+          <a:p>
+            <a:pPr marL="0" lvl="0" indent="0" defTabSz="914400" eaLnBrk="0" fontAlgn="base" hangingPunct="0">
+              <a:spcBef>
+                <a:spcPct val="0"/>
+              </a:spcBef>
+              <a:spcAft>
+                <a:spcPct val="0"/>
+              </a:spcAft>
+              <a:buClrTx/>
+              <a:buNone/>
+            </a:pPr>
+            <a:r>
+              <a:rPr lang="fr-FR" altLang="fr-FR" sz="1200" b="1" dirty="0" smtClean="0">
+                <a:solidFill>
+                  <a:srgbClr val="303030"/>
+                </a:solidFill>
+                <a:latin typeface="Consolas" panose="020B0609020204030204" pitchFamily="49" charset="0"/>
+              </a:rPr>
+              <a:t>	scanf("%d",&amp;s1.age);</a:t>
+            </a:r>
+          </a:p>
+          <a:p>
+            <a:pPr marL="0" lvl="0" indent="0" defTabSz="914400" eaLnBrk="0" fontAlgn="base" hangingPunct="0">
+              <a:spcBef>
+                <a:spcPct val="0"/>
+              </a:spcBef>
+              <a:spcAft>
+                <a:spcPct val="0"/>
+              </a:spcAft>
+              <a:buClrTx/>
+              <a:buNone/>
+            </a:pPr>
+            <a:r>
+              <a:rPr lang="fr-FR" altLang="fr-FR" sz="1200" b="1" dirty="0" smtClean="0">
+                <a:solidFill>
+                  <a:srgbClr val="303030"/>
+                </a:solidFill>
+                <a:latin typeface="Consolas" panose="020B0609020204030204" pitchFamily="49" charset="0"/>
+              </a:rPr>
+              <a:t>	printf("Donnez le tele du stagiaire:");</a:t>
+            </a:r>
+          </a:p>
+          <a:p>
+            <a:pPr marL="0" lvl="0" indent="0" defTabSz="914400" eaLnBrk="0" fontAlgn="base" hangingPunct="0">
+              <a:spcBef>
+                <a:spcPct val="0"/>
+              </a:spcBef>
+              <a:spcAft>
+                <a:spcPct val="0"/>
+              </a:spcAft>
+              <a:buClrTx/>
+              <a:buNone/>
+            </a:pPr>
+            <a:r>
+              <a:rPr lang="fr-FR" altLang="fr-FR" sz="1200" b="1" dirty="0" smtClean="0">
+                <a:solidFill>
+                  <a:srgbClr val="303030"/>
+                </a:solidFill>
+                <a:latin typeface="Consolas" panose="020B0609020204030204" pitchFamily="49" charset="0"/>
+              </a:rPr>
+              <a:t>	scanf("%d",&amp;s1.tele);</a:t>
+            </a:r>
+          </a:p>
+          <a:p>
+            <a:pPr marL="0" lvl="0" indent="0" defTabSz="914400" eaLnBrk="0" fontAlgn="base" hangingPunct="0">
+              <a:spcBef>
+                <a:spcPct val="0"/>
+              </a:spcBef>
+              <a:spcAft>
+                <a:spcPct val="0"/>
+              </a:spcAft>
+              <a:buClrTx/>
+              <a:buNone/>
+            </a:pPr>
+            <a:r>
+              <a:rPr lang="fr-FR" altLang="fr-FR" sz="1200" b="1" dirty="0" smtClean="0">
+                <a:solidFill>
+                  <a:srgbClr val="303030"/>
+                </a:solidFill>
+                <a:latin typeface="Consolas" panose="020B0609020204030204" pitchFamily="49" charset="0"/>
+              </a:rPr>
+              <a:t>	</a:t>
+            </a:r>
+          </a:p>
+          <a:p>
+            <a:pPr marL="0" lvl="0" indent="0" defTabSz="914400" eaLnBrk="0" fontAlgn="base" hangingPunct="0">
+              <a:spcBef>
+                <a:spcPct val="0"/>
+              </a:spcBef>
+              <a:spcAft>
+                <a:spcPct val="0"/>
+              </a:spcAft>
+              <a:buClrTx/>
+              <a:buNone/>
+            </a:pPr>
+            <a:r>
+              <a:rPr lang="fr-FR" altLang="fr-FR" sz="1200" b="1" dirty="0" smtClean="0">
+                <a:solidFill>
+                  <a:srgbClr val="303030"/>
+                </a:solidFill>
+                <a:latin typeface="Consolas" panose="020B0609020204030204" pitchFamily="49" charset="0"/>
+              </a:rPr>
+              <a:t>	printf("Donnez le nom du stagiaire:");</a:t>
+            </a:r>
+          </a:p>
+          <a:p>
+            <a:pPr marL="0" lvl="0" indent="0" defTabSz="914400" eaLnBrk="0" fontAlgn="base" hangingPunct="0">
+              <a:spcBef>
+                <a:spcPct val="0"/>
+              </a:spcBef>
+              <a:spcAft>
+                <a:spcPct val="0"/>
+              </a:spcAft>
+              <a:buClrTx/>
+              <a:buNone/>
+            </a:pPr>
+            <a:r>
+              <a:rPr lang="fr-FR" altLang="fr-FR" sz="1200" b="1" dirty="0" smtClean="0">
+                <a:solidFill>
+                  <a:srgbClr val="303030"/>
+                </a:solidFill>
+                <a:latin typeface="Consolas" panose="020B0609020204030204" pitchFamily="49" charset="0"/>
+              </a:rPr>
+              <a:t>	scanf("%s",&amp;s2.nom);</a:t>
+            </a:r>
+          </a:p>
+          <a:p>
+            <a:pPr marL="0" lvl="0" indent="0" defTabSz="914400" eaLnBrk="0" fontAlgn="base" hangingPunct="0">
+              <a:spcBef>
+                <a:spcPct val="0"/>
+              </a:spcBef>
+              <a:spcAft>
+                <a:spcPct val="0"/>
+              </a:spcAft>
+              <a:buClrTx/>
+              <a:buNone/>
+            </a:pPr>
+            <a:r>
+              <a:rPr lang="fr-FR" altLang="fr-FR" sz="1200" b="1" dirty="0" smtClean="0">
+                <a:solidFill>
+                  <a:srgbClr val="303030"/>
+                </a:solidFill>
+                <a:latin typeface="Consolas" panose="020B0609020204030204" pitchFamily="49" charset="0"/>
+              </a:rPr>
+              <a:t>	printf("Donnez l'age du stagiaire:");</a:t>
+            </a:r>
+          </a:p>
+          <a:p>
+            <a:pPr marL="0" lvl="0" indent="0" defTabSz="914400" eaLnBrk="0" fontAlgn="base" hangingPunct="0">
+              <a:spcBef>
+                <a:spcPct val="0"/>
+              </a:spcBef>
+              <a:spcAft>
+                <a:spcPct val="0"/>
+              </a:spcAft>
+              <a:buClrTx/>
+              <a:buNone/>
+            </a:pPr>
+            <a:r>
+              <a:rPr lang="fr-FR" altLang="fr-FR" sz="1200" b="1" dirty="0" smtClean="0">
+                <a:solidFill>
+                  <a:srgbClr val="303030"/>
+                </a:solidFill>
+                <a:latin typeface="Consolas" panose="020B0609020204030204" pitchFamily="49" charset="0"/>
+              </a:rPr>
+              <a:t>	scanf("%d",&amp;s2.age);</a:t>
+            </a:r>
+          </a:p>
+          <a:p>
+            <a:pPr marL="0" lvl="0" indent="0" defTabSz="914400" eaLnBrk="0" fontAlgn="base" hangingPunct="0">
+              <a:spcBef>
+                <a:spcPct val="0"/>
+              </a:spcBef>
+              <a:spcAft>
+                <a:spcPct val="0"/>
+              </a:spcAft>
+              <a:buClrTx/>
+              <a:buNone/>
+            </a:pPr>
+            <a:r>
+              <a:rPr lang="fr-FR" altLang="fr-FR" sz="1200" b="1" dirty="0" smtClean="0">
+                <a:solidFill>
+                  <a:srgbClr val="303030"/>
+                </a:solidFill>
+                <a:latin typeface="Consolas" panose="020B0609020204030204" pitchFamily="49" charset="0"/>
+              </a:rPr>
+              <a:t>	printf("Donnez le tele du stagiaire:");</a:t>
+            </a:r>
+          </a:p>
+          <a:p>
+            <a:pPr marL="0" lvl="0" indent="0" defTabSz="914400" eaLnBrk="0" fontAlgn="base" hangingPunct="0">
+              <a:spcBef>
+                <a:spcPct val="0"/>
+              </a:spcBef>
+              <a:spcAft>
+                <a:spcPct val="0"/>
+              </a:spcAft>
+              <a:buClrTx/>
+              <a:buNone/>
+            </a:pPr>
+            <a:r>
+              <a:rPr lang="fr-FR" altLang="fr-FR" sz="1200" b="1" dirty="0" smtClean="0">
+                <a:solidFill>
+                  <a:srgbClr val="303030"/>
+                </a:solidFill>
+                <a:latin typeface="Consolas" panose="020B0609020204030204" pitchFamily="49" charset="0"/>
+              </a:rPr>
+              <a:t>	scanf("%d",&amp;s2.tele);</a:t>
+            </a:r>
+          </a:p>
+          <a:p>
+            <a:pPr marL="0" lvl="0" indent="0" defTabSz="914400" eaLnBrk="0" fontAlgn="base" hangingPunct="0">
+              <a:spcBef>
+                <a:spcPct val="0"/>
+              </a:spcBef>
+              <a:spcAft>
+                <a:spcPct val="0"/>
+              </a:spcAft>
+              <a:buClrTx/>
+              <a:buNone/>
+            </a:pPr>
+            <a:r>
+              <a:rPr lang="fr-FR" altLang="fr-FR" sz="1200" b="1" dirty="0" smtClean="0">
+                <a:solidFill>
+                  <a:srgbClr val="303030"/>
+                </a:solidFill>
+                <a:latin typeface="Consolas" panose="020B0609020204030204" pitchFamily="49" charset="0"/>
+              </a:rPr>
+              <a:t>	</a:t>
+            </a:r>
+          </a:p>
+          <a:p>
+            <a:pPr marL="0" lvl="0" indent="0" defTabSz="914400" eaLnBrk="0" fontAlgn="base" hangingPunct="0">
+              <a:spcBef>
+                <a:spcPct val="0"/>
+              </a:spcBef>
+              <a:spcAft>
+                <a:spcPct val="0"/>
+              </a:spcAft>
+              <a:buClrTx/>
+              <a:buNone/>
+            </a:pPr>
+            <a:r>
+              <a:rPr lang="fr-FR" altLang="fr-FR" sz="1200" b="1" dirty="0" smtClean="0">
+                <a:solidFill>
+                  <a:srgbClr val="303030"/>
+                </a:solidFill>
+                <a:latin typeface="Consolas" panose="020B0609020204030204" pitchFamily="49" charset="0"/>
+              </a:rPr>
+              <a:t>	printf("Les informations du stagiaire 1 \n");</a:t>
+            </a:r>
+          </a:p>
+          <a:p>
+            <a:pPr marL="0" lvl="0" indent="0" defTabSz="914400" eaLnBrk="0" fontAlgn="base" hangingPunct="0">
+              <a:spcBef>
+                <a:spcPct val="0"/>
+              </a:spcBef>
+              <a:spcAft>
+                <a:spcPct val="0"/>
+              </a:spcAft>
+              <a:buClrTx/>
+              <a:buNone/>
+            </a:pPr>
+            <a:r>
+              <a:rPr lang="fr-FR" altLang="fr-FR" sz="1200" b="1" dirty="0" smtClean="0">
+                <a:solidFill>
+                  <a:srgbClr val="303030"/>
+                </a:solidFill>
+                <a:latin typeface="Consolas" panose="020B0609020204030204" pitchFamily="49" charset="0"/>
+              </a:rPr>
+              <a:t>	printf("%s      , %d, %d",s1.nom,s1.age,s1.tele);</a:t>
+            </a:r>
+          </a:p>
+          <a:p>
+            <a:pPr marL="0" lvl="0" indent="0" defTabSz="914400" eaLnBrk="0" fontAlgn="base" hangingPunct="0">
+              <a:spcBef>
+                <a:spcPct val="0"/>
+              </a:spcBef>
+              <a:spcAft>
+                <a:spcPct val="0"/>
+              </a:spcAft>
+              <a:buClrTx/>
+              <a:buNone/>
+            </a:pPr>
+            <a:r>
+              <a:rPr lang="fr-FR" altLang="fr-FR" sz="1200" b="1" dirty="0" smtClean="0">
+                <a:solidFill>
+                  <a:srgbClr val="303030"/>
+                </a:solidFill>
+                <a:latin typeface="Consolas" panose="020B0609020204030204" pitchFamily="49" charset="0"/>
+              </a:rPr>
+              <a:t>	printf("Les informations du stagiaire 2 \n");</a:t>
+            </a:r>
+          </a:p>
+          <a:p>
+            <a:pPr marL="0" lvl="0" indent="0" defTabSz="914400" eaLnBrk="0" fontAlgn="base" hangingPunct="0">
+              <a:spcBef>
+                <a:spcPct val="0"/>
+              </a:spcBef>
+              <a:spcAft>
+                <a:spcPct val="0"/>
+              </a:spcAft>
+              <a:buClrTx/>
+              <a:buNone/>
+            </a:pPr>
+            <a:r>
+              <a:rPr lang="fr-FR" altLang="fr-FR" sz="1200" b="1" dirty="0" smtClean="0">
+                <a:solidFill>
+                  <a:srgbClr val="303030"/>
+                </a:solidFill>
+                <a:latin typeface="Consolas" panose="020B0609020204030204" pitchFamily="49" charset="0"/>
+              </a:rPr>
+              <a:t>	printf("%s      , %d, %d",s2.nom,s2.age,s2.tele);</a:t>
+            </a:r>
+          </a:p>
+          <a:p>
+            <a:pPr marL="0" lvl="0" indent="0" defTabSz="914400" eaLnBrk="0" fontAlgn="base" hangingPunct="0">
+              <a:spcBef>
+                <a:spcPct val="0"/>
+              </a:spcBef>
+              <a:spcAft>
+                <a:spcPct val="0"/>
+              </a:spcAft>
+              <a:buClrTx/>
+              <a:buNone/>
+            </a:pPr>
+            <a:r>
+              <a:rPr lang="fr-FR" altLang="fr-FR" sz="1200" b="1" dirty="0" smtClean="0">
+                <a:solidFill>
+                  <a:srgbClr val="303030"/>
+                </a:solidFill>
+                <a:latin typeface="Consolas" panose="020B0609020204030204" pitchFamily="49" charset="0"/>
+              </a:rPr>
+              <a:t>}</a:t>
+            </a:r>
+            <a:endParaRPr kumimoji="0" lang="fr-FR" altLang="fr-FR" sz="2800" b="1" i="0" u="none" strike="noStrike" cap="none" normalizeH="0" baseline="0" dirty="0">
               <a:ln>
                 <a:noFill/>
               </a:ln>
@@ -8151,7 +8636,7 @@
     </p:spTree>
     <p:extLst>
       <p:ext uri="{BB962C8B-B14F-4D97-AF65-F5344CB8AC3E}">
-        <p14:creationId xmlns:p14="http://schemas.microsoft.com/office/powerpoint/2010/main" val="1529512241"/>
+        <p14:creationId xmlns:p14="http://schemas.microsoft.com/office/powerpoint/2010/main" xmlns="" val="1529512241"/>
       </p:ext>
     </p:extLst>
   </p:cSld>
@@ -8204,7 +8689,7 @@
     </a:clrScheme>
     <a:fontScheme name="Brin">
       <a:majorFont>
-        <a:latin typeface="Century Gothic" panose="020B0502020202020204"/>
+        <a:latin typeface="Century Gothic"/>
         <a:ea typeface=""/>
         <a:cs typeface=""/>
         <a:font script="Jpan" typeface="メイリオ"/>
@@ -8239,7 +8724,7 @@
         <a:font script="Geor" typeface="Sylfaen"/>
       </a:majorFont>
       <a:minorFont>
-        <a:latin typeface="Century Gothic" panose="020B0502020202020204"/>
+        <a:latin typeface="Century Gothic"/>
         <a:ea typeface=""/>
         <a:cs typeface=""/>
         <a:font script="Jpan" typeface="メイリオ"/>
@@ -8398,7 +8883,7 @@
   <a:extraClrSchemeLst/>
   <a:extLst>
     <a:ext uri="{05A4C25C-085E-4340-85A3-A5531E510DB2}">
-      <thm15:themeFamily xmlns:thm15="http://schemas.microsoft.com/office/thememl/2012/main" name="Wisp" id="{7CB32D59-10C0-40DD-B7BD-2E94284A981C}" vid="{24B1A44C-C006-48B2-A4D7-E5549B3D8CD4}"/>
+      <thm15:themeFamily xmlns:thm15="http://schemas.microsoft.com/office/thememl/2012/main" xmlns="" name="Wisp" id="{7CB32D59-10C0-40DD-B7BD-2E94284A981C}" vid="{24B1A44C-C006-48B2-A4D7-E5549B3D8CD4}"/>
     </a:ext>
   </a:extLst>
 </a:theme>
